--- a/Week1.pptx
+++ b/Week1.pptx
@@ -6914,7 +6914,7 @@
             </a:r>
             <a:r>
               <a:rPr lang="en-US" b="1" dirty="0"/>
-              <a:t>(public, private, default)</a:t>
+              <a:t>(public, private, protected, default)</a:t>
             </a:r>
             <a:r>
               <a:rPr lang="en-US" dirty="0"/>
@@ -8476,6 +8476,14 @@
             </a:r>
             <a:r>
               <a:rPr lang="tr-TR" sz="1300" dirty="0"/>
+              <a:t>, </a:t>
+            </a:r>
+            <a:r>
+              <a:rPr lang="tr-TR" sz="1300" dirty="0" err="1"/>
+              <a:t>Quarkus</a:t>
+            </a:r>
+            <a:r>
+              <a:rPr lang="tr-TR" sz="1300" dirty="0"/>
               <a:t>)</a:t>
             </a:r>
           </a:p>
@@ -12997,7 +13005,7 @@
                 </a:solidFill>
                 <a:latin typeface="ui-monospace"/>
               </a:rPr>
-              <a:t>currentDate</a:t>
+              <a:t>currentDateFormat</a:t>
             </a:r>
             <a:r>
               <a:rPr lang="en-US" altLang="en-US" sz="1200" dirty="0">
@@ -15458,7 +15466,12 @@
             <p:ph idx="1"/>
           </p:nvPr>
         </p:nvSpPr>
-        <p:spPr/>
+        <p:spPr>
+          <a:xfrm>
+            <a:off x="1295402" y="2556932"/>
+            <a:ext cx="9601196" cy="3318936"/>
+          </a:xfrm>
+        </p:spPr>
         <p:txBody>
           <a:bodyPr>
             <a:normAutofit lnSpcReduction="10000"/>
@@ -15637,7 +15650,7 @@
           <a:p>
             <a:r>
               <a:rPr lang="en-US" dirty="0"/>
-              <a:t>Maven is a project </a:t>
+              <a:t>Maven is a project dependency </a:t>
             </a:r>
             <a:r>
               <a:rPr lang="en-US" b="1" dirty="0"/>
@@ -16662,7 +16675,7 @@
           <a:p>
             <a:r>
               <a:rPr lang="en-US" dirty="0"/>
-              <a:t>Instant access to new features with little or no extra configuration..</a:t>
+              <a:t>Instant access to new features with little or no extra configuration.</a:t>
             </a:r>
           </a:p>
         </p:txBody>
@@ -17007,15 +17020,7 @@
             </a:r>
             <a:r>
               <a:rPr lang="en-US" dirty="0"/>
-              <a:t> data types like </a:t>
-            </a:r>
-            <a:r>
-              <a:rPr lang="en-US" dirty="0" err="1"/>
-              <a:t>int</a:t>
-            </a:r>
-            <a:r>
-              <a:rPr lang="en-US" dirty="0"/>
-              <a:t>, char etc.</a:t>
+              <a:t> data types like int, char etc.</a:t>
             </a:r>
           </a:p>
           <a:p>
